--- a/Pocket Chef Presentation2 Final.pptx
+++ b/Pocket Chef Presentation2 Final.pptx
@@ -490,7 +490,7 @@
     </p:spTree>
     <p:extLst>
       <p:ext uri="{BB962C8B-B14F-4D97-AF65-F5344CB8AC3E}">
-        <p14:creationId xmlns:p14="http://schemas.microsoft.com/office/powerpoint/2010/main" xmlns="" val="1484106570"/>
+        <p14:creationId xmlns="" xmlns:p14="http://schemas.microsoft.com/office/powerpoint/2010/main" val="1484106570"/>
       </p:ext>
     </p:extLst>
   </p:cSld>
@@ -662,7 +662,7 @@
     </p:spTree>
     <p:extLst>
       <p:ext uri="{BB962C8B-B14F-4D97-AF65-F5344CB8AC3E}">
-        <p14:creationId xmlns:p14="http://schemas.microsoft.com/office/powerpoint/2010/main" xmlns="" val="658437591"/>
+        <p14:creationId xmlns="" xmlns:p14="http://schemas.microsoft.com/office/powerpoint/2010/main" val="658437591"/>
       </p:ext>
     </p:extLst>
   </p:cSld>
@@ -999,7 +999,7 @@
     </p:spTree>
     <p:extLst>
       <p:ext uri="{BB962C8B-B14F-4D97-AF65-F5344CB8AC3E}">
-        <p14:creationId xmlns:p14="http://schemas.microsoft.com/office/powerpoint/2010/main" xmlns="" val="2470968630"/>
+        <p14:creationId xmlns="" xmlns:p14="http://schemas.microsoft.com/office/powerpoint/2010/main" val="2470968630"/>
       </p:ext>
     </p:extLst>
   </p:cSld>
@@ -1189,7 +1189,7 @@
     </p:spTree>
     <p:extLst>
       <p:ext uri="{BB962C8B-B14F-4D97-AF65-F5344CB8AC3E}">
-        <p14:creationId xmlns:p14="http://schemas.microsoft.com/office/powerpoint/2010/main" xmlns="" val="3324104396"/>
+        <p14:creationId xmlns="" xmlns:p14="http://schemas.microsoft.com/office/powerpoint/2010/main" val="3324104396"/>
       </p:ext>
     </p:extLst>
   </p:cSld>
@@ -1562,7 +1562,7 @@
     </p:spTree>
     <p:extLst>
       <p:ext uri="{BB962C8B-B14F-4D97-AF65-F5344CB8AC3E}">
-        <p14:creationId xmlns:p14="http://schemas.microsoft.com/office/powerpoint/2010/main" xmlns="" val="513554383"/>
+        <p14:creationId xmlns="" xmlns:p14="http://schemas.microsoft.com/office/powerpoint/2010/main" val="513554383"/>
       </p:ext>
     </p:extLst>
   </p:cSld>
@@ -1796,7 +1796,7 @@
     </p:spTree>
     <p:extLst>
       <p:ext uri="{BB962C8B-B14F-4D97-AF65-F5344CB8AC3E}">
-        <p14:creationId xmlns:p14="http://schemas.microsoft.com/office/powerpoint/2010/main" xmlns="" val="3339865439"/>
+        <p14:creationId xmlns="" xmlns:p14="http://schemas.microsoft.com/office/powerpoint/2010/main" val="3339865439"/>
       </p:ext>
     </p:extLst>
   </p:cSld>
@@ -2121,7 +2121,7 @@
     </p:spTree>
     <p:extLst>
       <p:ext uri="{BB962C8B-B14F-4D97-AF65-F5344CB8AC3E}">
-        <p14:creationId xmlns:p14="http://schemas.microsoft.com/office/powerpoint/2010/main" xmlns="" val="2086437873"/>
+        <p14:creationId xmlns="" xmlns:p14="http://schemas.microsoft.com/office/powerpoint/2010/main" val="2086437873"/>
       </p:ext>
     </p:extLst>
   </p:cSld>
@@ -2249,7 +2249,7 @@
     </p:spTree>
     <p:extLst>
       <p:ext uri="{BB962C8B-B14F-4D97-AF65-F5344CB8AC3E}">
-        <p14:creationId xmlns:p14="http://schemas.microsoft.com/office/powerpoint/2010/main" xmlns="" val="3032170093"/>
+        <p14:creationId xmlns="" xmlns:p14="http://schemas.microsoft.com/office/powerpoint/2010/main" val="3032170093"/>
       </p:ext>
     </p:extLst>
   </p:cSld>
@@ -2359,7 +2359,7 @@
     </p:spTree>
     <p:extLst>
       <p:ext uri="{BB962C8B-B14F-4D97-AF65-F5344CB8AC3E}">
-        <p14:creationId xmlns:p14="http://schemas.microsoft.com/office/powerpoint/2010/main" xmlns="" val="4228837869"/>
+        <p14:creationId xmlns="" xmlns:p14="http://schemas.microsoft.com/office/powerpoint/2010/main" val="4228837869"/>
       </p:ext>
     </p:extLst>
   </p:cSld>
@@ -2628,7 +2628,7 @@
     </p:spTree>
     <p:extLst>
       <p:ext uri="{BB962C8B-B14F-4D97-AF65-F5344CB8AC3E}">
-        <p14:creationId xmlns:p14="http://schemas.microsoft.com/office/powerpoint/2010/main" xmlns="" val="1922538726"/>
+        <p14:creationId xmlns="" xmlns:p14="http://schemas.microsoft.com/office/powerpoint/2010/main" val="1922538726"/>
       </p:ext>
     </p:extLst>
   </p:cSld>
@@ -3069,7 +3069,7 @@
     </p:spTree>
     <p:extLst>
       <p:ext uri="{BB962C8B-B14F-4D97-AF65-F5344CB8AC3E}">
-        <p14:creationId xmlns:p14="http://schemas.microsoft.com/office/powerpoint/2010/main" xmlns="" val="1037336333"/>
+        <p14:creationId xmlns="" xmlns:p14="http://schemas.microsoft.com/office/powerpoint/2010/main" val="1037336333"/>
       </p:ext>
     </p:extLst>
   </p:cSld>
@@ -3458,7 +3458,7 @@
     </p:spTree>
     <p:extLst>
       <p:ext uri="{BB962C8B-B14F-4D97-AF65-F5344CB8AC3E}">
-        <p14:creationId xmlns:p14="http://schemas.microsoft.com/office/powerpoint/2010/main" xmlns="" val="1404090648"/>
+        <p14:creationId xmlns="" xmlns:p14="http://schemas.microsoft.com/office/powerpoint/2010/main" val="1404090648"/>
       </p:ext>
     </p:extLst>
   </p:cSld>
@@ -3833,7 +3833,7 @@
           <a:blip r:embed="rId2" cstate="print">
             <a:extLst>
               <a:ext uri="{28A0092B-C50C-407E-A947-70E740481C1C}">
-                <a14:useLocalDpi xmlns:a14="http://schemas.microsoft.com/office/drawing/2010/main" xmlns="" val="0"/>
+                <a14:useLocalDpi xmlns="" xmlns:a14="http://schemas.microsoft.com/office/drawing/2010/main" val="0"/>
               </a:ext>
             </a:extLst>
           </a:blip>
@@ -3854,7 +3854,7 @@
     </p:spTree>
     <p:extLst>
       <p:ext uri="{BB962C8B-B14F-4D97-AF65-F5344CB8AC3E}">
-        <p14:creationId xmlns:p14="http://schemas.microsoft.com/office/powerpoint/2010/main" xmlns="" val="1244398981"/>
+        <p14:creationId xmlns="" xmlns:p14="http://schemas.microsoft.com/office/powerpoint/2010/main" val="1244398981"/>
       </p:ext>
     </p:extLst>
   </p:cSld>
@@ -3905,11 +3905,7 @@
           <a:p>
             <a:r>
               <a:rPr lang="en-US" dirty="0" smtClean="0"/>
-              <a:t>Non-Functional </a:t>
-            </a:r>
-            <a:r>
-              <a:rPr lang="en-US" dirty="0" smtClean="0"/>
-              <a:t>Requirement</a:t>
+              <a:t>Non-Functional Requirement</a:t>
             </a:r>
             <a:endParaRPr lang="en-US" dirty="0"/>
           </a:p>
@@ -3927,7 +3923,7 @@
           <a:blip r:embed="rId2" cstate="print">
             <a:extLst>
               <a:ext uri="{28A0092B-C50C-407E-A947-70E740481C1C}">
-                <a14:useLocalDpi xmlns:a14="http://schemas.microsoft.com/office/drawing/2010/main" xmlns="" val="0"/>
+                <a14:useLocalDpi xmlns="" xmlns:a14="http://schemas.microsoft.com/office/drawing/2010/main" val="0"/>
               </a:ext>
             </a:extLst>
           </a:blip>
@@ -3947,7 +3943,7 @@
           <a:noFill/>
           <a:extLst>
             <a:ext uri="{909E8E84-426E-40DD-AFC4-6F175D3DCCD1}">
-              <a14:hiddenFill xmlns:a14="http://schemas.microsoft.com/office/drawing/2010/main" xmlns="">
+              <a14:hiddenFill xmlns="" xmlns:a14="http://schemas.microsoft.com/office/drawing/2010/main">
                 <a:solidFill>
                   <a:srgbClr val="FFFFFF"/>
                 </a:solidFill>
@@ -3965,7 +3961,7 @@
           <p:nvPr>
             <p:extLst>
               <p:ext uri="{D42A27DB-BD31-4B8C-83A1-F6EECF244321}">
-                <p14:modId xmlns:p14="http://schemas.microsoft.com/office/powerpoint/2010/main" xmlns="" val="2294983087"/>
+                <p14:modId xmlns="" xmlns:p14="http://schemas.microsoft.com/office/powerpoint/2010/main" val="2294983087"/>
               </p:ext>
             </p:extLst>
           </p:nvPr>
@@ -4030,6 +4026,34 @@
                     <a:bodyPr/>
                     <a:lstStyle/>
                     <a:p>
+                      <a:pPr marL="0" marR="0" indent="0" algn="l" defTabSz="914400" rtl="0" eaLnBrk="1" fontAlgn="auto" latinLnBrk="0" hangingPunct="1">
+                        <a:lnSpc>
+                          <a:spcPct val="100000"/>
+                        </a:lnSpc>
+                        <a:spcBef>
+                          <a:spcPts val="0"/>
+                        </a:spcBef>
+                        <a:spcAft>
+                          <a:spcPts val="0"/>
+                        </a:spcAft>
+                        <a:buClrTx/>
+                        <a:buSzTx/>
+                        <a:buFontTx/>
+                        <a:buNone/>
+                        <a:tabLst/>
+                        <a:defRPr/>
+                      </a:pPr>
+                      <a:r>
+                        <a:rPr lang="en-US" dirty="0" smtClean="0"/>
+                        <a:t>The app should</a:t>
+                      </a:r>
+                      <a:r>
+                        <a:rPr lang="en-US" baseline="0" dirty="0" smtClean="0"/>
+                        <a:t> be quickly responsive to all commands of the user, enabling the user to easily navigate and use the app.</a:t>
+                      </a:r>
+                      <a:endParaRPr lang="en-US" dirty="0" smtClean="0"/>
+                    </a:p>
+                    <a:p>
                       <a:endParaRPr lang="en-US" dirty="0"/>
                     </a:p>
                   </a:txBody>
@@ -4065,7 +4089,18 @@
                           <a:ea typeface="+mn-ea"/>
                           <a:cs typeface="+mn-cs"/>
                         </a:rPr>
-                        <a:t>Reliability with few to no errors.</a:t>
+                        <a:t>Reliable </a:t>
+                      </a:r>
+                      <a:r>
+                        <a:rPr kumimoji="0" lang="en-US" sz="1800" kern="1200" dirty="0" smtClean="0">
+                          <a:solidFill>
+                            <a:schemeClr val="dk1"/>
+                          </a:solidFill>
+                          <a:latin typeface="+mn-lt"/>
+                          <a:ea typeface="+mn-ea"/>
+                          <a:cs typeface="+mn-cs"/>
+                        </a:rPr>
+                        <a:t>with few to no errors.</a:t>
                       </a:r>
                       <a:endParaRPr lang="en-US" dirty="0"/>
                     </a:p>
@@ -4080,7 +4115,7 @@
     </p:spTree>
     <p:extLst>
       <p:ext uri="{BB962C8B-B14F-4D97-AF65-F5344CB8AC3E}">
-        <p14:creationId xmlns:p14="http://schemas.microsoft.com/office/powerpoint/2010/main" xmlns="" val="4201936706"/>
+        <p14:creationId xmlns="" xmlns:p14="http://schemas.microsoft.com/office/powerpoint/2010/main" val="4201936706"/>
       </p:ext>
     </p:extLst>
   </p:cSld>
@@ -4133,60 +4168,36 @@
           <a:p>
             <a:r>
               <a:rPr lang="en-US" dirty="0" smtClean="0"/>
-              <a:t>Future </a:t>
-            </a:r>
+              <a:t>Future Functional Requirements</a:t>
+            </a:r>
+            <a:endParaRPr lang="en-US" dirty="0"/>
+          </a:p>
+        </p:txBody>
+      </p:sp>
+      <p:sp>
+        <p:nvSpPr>
+          <p:cNvPr id="3" name="Content Placeholder 2"/>
+          <p:cNvSpPr>
+            <a:spLocks noGrp="1"/>
+          </p:cNvSpPr>
+          <p:nvPr>
+            <p:ph sz="quarter" idx="1"/>
+          </p:nvPr>
+        </p:nvSpPr>
+        <p:spPr/>
+        <p:txBody>
+          <a:bodyPr/>
+          <a:lstStyle/>
+          <a:p>
             <a:r>
               <a:rPr lang="en-US" dirty="0" smtClean="0"/>
-              <a:t>Functional</a:t>
-            </a:r>
+              <a:t>Users should be able to send and receive recipes between devices</a:t>
+            </a:r>
+          </a:p>
+          <a:p>
             <a:r>
               <a:rPr lang="en-US" dirty="0" smtClean="0"/>
-              <a:t> Requirements</a:t>
-            </a:r>
-            <a:endParaRPr lang="en-US" dirty="0"/>
-          </a:p>
-        </p:txBody>
-      </p:sp>
-      <p:sp>
-        <p:nvSpPr>
-          <p:cNvPr id="3" name="Content Placeholder 2"/>
-          <p:cNvSpPr>
-            <a:spLocks noGrp="1"/>
-          </p:cNvSpPr>
-          <p:nvPr>
-            <p:ph sz="quarter" idx="1"/>
-          </p:nvPr>
-        </p:nvSpPr>
-        <p:spPr/>
-        <p:txBody>
-          <a:bodyPr/>
-          <a:lstStyle/>
-          <a:p>
-            <a:r>
-              <a:rPr lang="en-US" dirty="0" smtClean="0"/>
-              <a:t>Users should be able </a:t>
-            </a:r>
-            <a:r>
-              <a:rPr lang="en-US" dirty="0" smtClean="0"/>
-              <a:t>to send and receive </a:t>
-            </a:r>
-            <a:r>
-              <a:rPr lang="en-US" dirty="0" smtClean="0"/>
-              <a:t>recipes between devices</a:t>
-            </a:r>
-          </a:p>
-          <a:p>
-            <a:r>
-              <a:rPr lang="en-US" dirty="0" smtClean="0"/>
-              <a:t>Users should be able to </a:t>
-            </a:r>
-            <a:r>
-              <a:rPr lang="en-US" dirty="0" smtClean="0"/>
-              <a:t>modify app settings to assist with user </a:t>
-            </a:r>
-            <a:r>
-              <a:rPr lang="en-US" dirty="0" smtClean="0"/>
-              <a:t>preferences</a:t>
+              <a:t>Users should be able to modify app settings to assist with user preferences</a:t>
             </a:r>
           </a:p>
           <a:p>
@@ -4302,7 +4313,7 @@
           <a:blip r:embed="rId2" cstate="print">
             <a:extLst>
               <a:ext uri="{28A0092B-C50C-407E-A947-70E740481C1C}">
-                <a14:useLocalDpi xmlns:a14="http://schemas.microsoft.com/office/drawing/2010/main" xmlns="" val="0"/>
+                <a14:useLocalDpi xmlns="" xmlns:a14="http://schemas.microsoft.com/office/drawing/2010/main" val="0"/>
               </a:ext>
             </a:extLst>
           </a:blip>
@@ -4320,7 +4331,7 @@
           <a:noFill/>
           <a:extLst>
             <a:ext uri="{909E8E84-426E-40DD-AFC4-6F175D3DCCD1}">
-              <a14:hiddenFill xmlns:a14="http://schemas.microsoft.com/office/drawing/2010/main" xmlns="">
+              <a14:hiddenFill xmlns="" xmlns:a14="http://schemas.microsoft.com/office/drawing/2010/main">
                 <a:solidFill>
                   <a:srgbClr val="FFFFFF"/>
                 </a:solidFill>
@@ -4341,7 +4352,7 @@
           <a:blip r:embed="rId3" cstate="print">
             <a:extLst>
               <a:ext uri="{28A0092B-C50C-407E-A947-70E740481C1C}">
-                <a14:useLocalDpi xmlns:a14="http://schemas.microsoft.com/office/drawing/2010/main" xmlns="" val="0"/>
+                <a14:useLocalDpi xmlns="" xmlns:a14="http://schemas.microsoft.com/office/drawing/2010/main" val="0"/>
               </a:ext>
             </a:extLst>
           </a:blip>
@@ -4361,7 +4372,7 @@
           <a:noFill/>
           <a:extLst>
             <a:ext uri="{909E8E84-426E-40DD-AFC4-6F175D3DCCD1}">
-              <a14:hiddenFill xmlns:a14="http://schemas.microsoft.com/office/drawing/2010/main" xmlns="">
+              <a14:hiddenFill xmlns="" xmlns:a14="http://schemas.microsoft.com/office/drawing/2010/main">
                 <a:solidFill>
                   <a:srgbClr val="FFFFFF"/>
                 </a:solidFill>
@@ -4373,7 +4384,7 @@
     </p:spTree>
     <p:extLst>
       <p:ext uri="{BB962C8B-B14F-4D97-AF65-F5344CB8AC3E}">
-        <p14:creationId xmlns:p14="http://schemas.microsoft.com/office/powerpoint/2010/main" xmlns="" val="4187055853"/>
+        <p14:creationId xmlns="" xmlns:p14="http://schemas.microsoft.com/office/powerpoint/2010/main" val="4187055853"/>
       </p:ext>
     </p:extLst>
   </p:cSld>
@@ -4424,11 +4435,7 @@
           <a:p>
             <a:r>
               <a:rPr lang="en-US" dirty="0" smtClean="0"/>
-              <a:t>Minimum </a:t>
-            </a:r>
-            <a:r>
-              <a:rPr lang="en-US" dirty="0" smtClean="0"/>
-              <a:t>Functional Requirement</a:t>
+              <a:t>Minimum Functional Requirement</a:t>
             </a:r>
             <a:endParaRPr lang="en-US" dirty="0"/>
           </a:p>
@@ -4460,7 +4467,7 @@
             <a:blip r:embed="rId2" cstate="print">
               <a:extLst>
                 <a:ext uri="{28A0092B-C50C-407E-A947-70E740481C1C}">
-                  <a14:useLocalDpi xmlns:a14="http://schemas.microsoft.com/office/drawing/2010/main" xmlns="" val="0"/>
+                  <a14:useLocalDpi xmlns="" xmlns:a14="http://schemas.microsoft.com/office/drawing/2010/main" val="0"/>
                 </a:ext>
               </a:extLst>
             </a:blip>
@@ -4480,7 +4487,7 @@
             <a:noFill/>
             <a:extLst>
               <a:ext uri="{909E8E84-426E-40DD-AFC4-6F175D3DCCD1}">
-                <a14:hiddenFill xmlns:a14="http://schemas.microsoft.com/office/drawing/2010/main" xmlns="">
+                <a14:hiddenFill xmlns="" xmlns:a14="http://schemas.microsoft.com/office/drawing/2010/main">
                   <a:solidFill>
                     <a:srgbClr val="FFFFFF"/>
                   </a:solidFill>
@@ -4501,7 +4508,7 @@
             <a:blip r:embed="rId3" cstate="print">
               <a:extLst>
                 <a:ext uri="{28A0092B-C50C-407E-A947-70E740481C1C}">
-                  <a14:useLocalDpi xmlns:a14="http://schemas.microsoft.com/office/drawing/2010/main" xmlns="" val="0"/>
+                  <a14:useLocalDpi xmlns="" xmlns:a14="http://schemas.microsoft.com/office/drawing/2010/main" val="0"/>
                 </a:ext>
               </a:extLst>
             </a:blip>
@@ -4529,7 +4536,7 @@
           <p:nvPr>
             <p:extLst>
               <p:ext uri="{D42A27DB-BD31-4B8C-83A1-F6EECF244321}">
-                <p14:modId xmlns:p14="http://schemas.microsoft.com/office/powerpoint/2010/main" xmlns="" val="2294983087"/>
+                <p14:modId xmlns="" xmlns:p14="http://schemas.microsoft.com/office/powerpoint/2010/main" val="2294983087"/>
               </p:ext>
             </p:extLst>
           </p:nvPr>
@@ -4558,7 +4565,6 @@
                         <a:rPr lang="en-US" sz="2400" dirty="0" smtClean="0"/>
                         <a:t>The Pocket Chef app shall hold and easily display recipes entered by the user</a:t>
                       </a:r>
-                      <a:endParaRPr lang="en-US" sz="2400" dirty="0" smtClean="0"/>
                     </a:p>
                   </a:txBody>
                   <a:tcPr marL="121920" marR="121920"/>
@@ -4649,7 +4655,7 @@
     </p:spTree>
     <p:extLst>
       <p:ext uri="{BB962C8B-B14F-4D97-AF65-F5344CB8AC3E}">
-        <p14:creationId xmlns:p14="http://schemas.microsoft.com/office/powerpoint/2010/main" xmlns="" val="2640414309"/>
+        <p14:creationId xmlns="" xmlns:p14="http://schemas.microsoft.com/office/powerpoint/2010/main" val="2640414309"/>
       </p:ext>
     </p:extLst>
   </p:cSld>
@@ -4700,11 +4706,7 @@
           <a:p>
             <a:r>
               <a:rPr lang="en-US" dirty="0" smtClean="0"/>
-              <a:t>Minimum </a:t>
-            </a:r>
-            <a:r>
-              <a:rPr lang="en-US" dirty="0" smtClean="0"/>
-              <a:t>Functional Requirement</a:t>
+              <a:t>Minimum Functional Requirement</a:t>
             </a:r>
             <a:endParaRPr lang="en-US" dirty="0"/>
           </a:p>
@@ -4736,7 +4738,7 @@
             <a:blip r:embed="rId2" cstate="print">
               <a:extLst>
                 <a:ext uri="{28A0092B-C50C-407E-A947-70E740481C1C}">
-                  <a14:useLocalDpi xmlns:a14="http://schemas.microsoft.com/office/drawing/2010/main" xmlns="" val="0"/>
+                  <a14:useLocalDpi xmlns="" xmlns:a14="http://schemas.microsoft.com/office/drawing/2010/main" val="0"/>
                 </a:ext>
               </a:extLst>
             </a:blip>
@@ -4756,7 +4758,7 @@
             <a:noFill/>
             <a:extLst>
               <a:ext uri="{909E8E84-426E-40DD-AFC4-6F175D3DCCD1}">
-                <a14:hiddenFill xmlns:a14="http://schemas.microsoft.com/office/drawing/2010/main" xmlns="">
+                <a14:hiddenFill xmlns="" xmlns:a14="http://schemas.microsoft.com/office/drawing/2010/main">
                   <a:solidFill>
                     <a:srgbClr val="FFFFFF"/>
                   </a:solidFill>
@@ -4821,7 +4823,7 @@
           <p:nvPr>
             <p:extLst>
               <p:ext uri="{D42A27DB-BD31-4B8C-83A1-F6EECF244321}">
-                <p14:modId xmlns:p14="http://schemas.microsoft.com/office/powerpoint/2010/main" xmlns="" val="3670941113"/>
+                <p14:modId xmlns="" xmlns:p14="http://schemas.microsoft.com/office/powerpoint/2010/main" val="3670941113"/>
               </p:ext>
             </p:extLst>
           </p:nvPr>
@@ -4949,7 +4951,7 @@
     </p:spTree>
     <p:extLst>
       <p:ext uri="{BB962C8B-B14F-4D97-AF65-F5344CB8AC3E}">
-        <p14:creationId xmlns:p14="http://schemas.microsoft.com/office/powerpoint/2010/main" xmlns="" val="1050124352"/>
+        <p14:creationId xmlns="" xmlns:p14="http://schemas.microsoft.com/office/powerpoint/2010/main" val="1050124352"/>
       </p:ext>
     </p:extLst>
   </p:cSld>
@@ -5000,11 +5002,7 @@
           <a:p>
             <a:r>
               <a:rPr lang="en-US" dirty="0" smtClean="0"/>
-              <a:t>Minimum </a:t>
-            </a:r>
-            <a:r>
-              <a:rPr lang="en-US" dirty="0" smtClean="0"/>
-              <a:t>Functional Requirement</a:t>
+              <a:t>Minimum Functional Requirement</a:t>
             </a:r>
             <a:endParaRPr lang="en-US" dirty="0"/>
           </a:p>
@@ -5022,7 +5020,7 @@
           <a:blip r:embed="rId2" cstate="print">
             <a:extLst>
               <a:ext uri="{28A0092B-C50C-407E-A947-70E740481C1C}">
-                <a14:useLocalDpi xmlns:a14="http://schemas.microsoft.com/office/drawing/2010/main" xmlns="" val="0"/>
+                <a14:useLocalDpi xmlns="" xmlns:a14="http://schemas.microsoft.com/office/drawing/2010/main" val="0"/>
               </a:ext>
             </a:extLst>
           </a:blip>
@@ -5042,7 +5040,7 @@
           <a:noFill/>
           <a:extLst>
             <a:ext uri="{909E8E84-426E-40DD-AFC4-6F175D3DCCD1}">
-              <a14:hiddenFill xmlns:a14="http://schemas.microsoft.com/office/drawing/2010/main" xmlns="">
+              <a14:hiddenFill xmlns="" xmlns:a14="http://schemas.microsoft.com/office/drawing/2010/main">
                 <a:solidFill>
                   <a:srgbClr val="FFFFFF"/>
                 </a:solidFill>
@@ -5060,7 +5058,7 @@
           <p:nvPr>
             <p:extLst>
               <p:ext uri="{D42A27DB-BD31-4B8C-83A1-F6EECF244321}">
-                <p14:modId xmlns:p14="http://schemas.microsoft.com/office/powerpoint/2010/main" xmlns="" val="2294983087"/>
+                <p14:modId xmlns="" xmlns:p14="http://schemas.microsoft.com/office/powerpoint/2010/main" val="2294983087"/>
               </p:ext>
             </p:extLst>
           </p:nvPr>
@@ -5176,7 +5174,7 @@
     </p:spTree>
     <p:extLst>
       <p:ext uri="{BB962C8B-B14F-4D97-AF65-F5344CB8AC3E}">
-        <p14:creationId xmlns:p14="http://schemas.microsoft.com/office/powerpoint/2010/main" xmlns="" val="3422502664"/>
+        <p14:creationId xmlns="" xmlns:p14="http://schemas.microsoft.com/office/powerpoint/2010/main" val="3422502664"/>
       </p:ext>
     </p:extLst>
   </p:cSld>
@@ -5245,7 +5243,7 @@
           <a:blip r:embed="rId2" cstate="print">
             <a:extLst>
               <a:ext uri="{28A0092B-C50C-407E-A947-70E740481C1C}">
-                <a14:useLocalDpi xmlns:a14="http://schemas.microsoft.com/office/drawing/2010/main" xmlns="" val="0"/>
+                <a14:useLocalDpi xmlns="" xmlns:a14="http://schemas.microsoft.com/office/drawing/2010/main" val="0"/>
               </a:ext>
             </a:extLst>
           </a:blip>
@@ -5272,7 +5270,7 @@
           <p:nvPr>
             <p:extLst>
               <p:ext uri="{D42A27DB-BD31-4B8C-83A1-F6EECF244321}">
-                <p14:modId xmlns:p14="http://schemas.microsoft.com/office/powerpoint/2010/main" xmlns="" val="3670941113"/>
+                <p14:modId xmlns="" xmlns:p14="http://schemas.microsoft.com/office/powerpoint/2010/main" val="3670941113"/>
               </p:ext>
             </p:extLst>
           </p:nvPr>
@@ -5514,7 +5512,7 @@
     </p:spTree>
     <p:extLst>
       <p:ext uri="{BB962C8B-B14F-4D97-AF65-F5344CB8AC3E}">
-        <p14:creationId xmlns:p14="http://schemas.microsoft.com/office/powerpoint/2010/main" xmlns="" val="545817739"/>
+        <p14:creationId xmlns="" xmlns:p14="http://schemas.microsoft.com/office/powerpoint/2010/main" val="545817739"/>
       </p:ext>
     </p:extLst>
   </p:cSld>
@@ -5597,7 +5595,7 @@
             <a:blip r:embed="rId2" cstate="print">
               <a:extLst>
                 <a:ext uri="{28A0092B-C50C-407E-A947-70E740481C1C}">
-                  <a14:useLocalDpi xmlns:a14="http://schemas.microsoft.com/office/drawing/2010/main" xmlns="" val="0"/>
+                  <a14:useLocalDpi xmlns="" xmlns:a14="http://schemas.microsoft.com/office/drawing/2010/main" val="0"/>
                 </a:ext>
               </a:extLst>
             </a:blip>
@@ -5617,7 +5615,7 @@
             <a:noFill/>
             <a:extLst>
               <a:ext uri="{909E8E84-426E-40DD-AFC4-6F175D3DCCD1}">
-                <a14:hiddenFill xmlns:a14="http://schemas.microsoft.com/office/drawing/2010/main" xmlns="">
+                <a14:hiddenFill xmlns="" xmlns:a14="http://schemas.microsoft.com/office/drawing/2010/main">
                   <a:solidFill>
                     <a:srgbClr val="FFFFFF"/>
                   </a:solidFill>
@@ -5686,14 +5684,14 @@
           <p:nvPr>
             <p:extLst>
               <p:ext uri="{D42A27DB-BD31-4B8C-83A1-F6EECF244321}">
-                <p14:modId xmlns:p14="http://schemas.microsoft.com/office/powerpoint/2010/main" xmlns="" val="2294983087"/>
+                <p14:modId xmlns="" xmlns:p14="http://schemas.microsoft.com/office/powerpoint/2010/main" val="2294983087"/>
               </p:ext>
             </p:extLst>
           </p:nvPr>
         </p:nvGraphicFramePr>
         <p:xfrm>
           <a:off x="508000" y="1752600"/>
-          <a:ext cx="8026400" cy="4038600"/>
+          <a:ext cx="8026400" cy="3657600"/>
         </p:xfrm>
         <a:graphic>
           <a:graphicData uri="http://schemas.openxmlformats.org/drawingml/2006/table">
@@ -5863,44 +5861,6 @@
                   <a:tcPr marL="121920" marR="121920"/>
                 </a:tc>
               </a:tr>
-              <a:tr h="381000">
-                <a:tc>
-                  <a:txBody>
-                    <a:bodyPr/>
-                    <a:lstStyle/>
-                    <a:p>
-                      <a:r>
-                        <a:rPr lang="en-US" dirty="0" smtClean="0"/>
-                        <a:t>Side</a:t>
-                      </a:r>
-                      <a:r>
-                        <a:rPr lang="en-US" baseline="0" dirty="0" smtClean="0"/>
-                        <a:t> </a:t>
-                      </a:r>
-                      <a:r>
-                        <a:rPr lang="en-US" dirty="0" smtClean="0"/>
-                        <a:t>Effects</a:t>
-                      </a:r>
-                      <a:endParaRPr lang="en-US" dirty="0"/>
-                    </a:p>
-                  </a:txBody>
-                  <a:tcPr marL="121920" marR="121920"/>
-                </a:tc>
-                <a:tc>
-                  <a:txBody>
-                    <a:bodyPr/>
-                    <a:lstStyle/>
-                    <a:p>
-                      <a:r>
-                        <a:rPr lang="en-US" dirty="0" smtClean="0"/>
-                        <a:t>None.</a:t>
-                      </a:r>
-                      <a:endParaRPr lang="en-US" dirty="0"/>
-                    </a:p>
-                  </a:txBody>
-                  <a:tcPr marL="121920" marR="121920"/>
-                </a:tc>
-              </a:tr>
             </a:tbl>
           </a:graphicData>
         </a:graphic>
@@ -5908,7 +5868,7 @@
     </p:spTree>
     <p:extLst>
       <p:ext uri="{BB962C8B-B14F-4D97-AF65-F5344CB8AC3E}">
-        <p14:creationId xmlns:p14="http://schemas.microsoft.com/office/powerpoint/2010/main" xmlns="" val="3491543231"/>
+        <p14:creationId xmlns="" xmlns:p14="http://schemas.microsoft.com/office/powerpoint/2010/main" val="3491543231"/>
       </p:ext>
     </p:extLst>
   </p:cSld>
@@ -5984,7 +5944,7 @@
           <a:noFill/>
           <a:extLst>
             <a:ext uri="{909E8E84-426E-40DD-AFC4-6F175D3DCCD1}">
-              <a14:hiddenFill xmlns:a14="http://schemas.microsoft.com/office/drawing/2010/main" xmlns="">
+              <a14:hiddenFill xmlns="" xmlns:a14="http://schemas.microsoft.com/office/drawing/2010/main">
                 <a:solidFill>
                   <a:srgbClr val="FFFFFF"/>
                 </a:solidFill>
@@ -6021,7 +5981,7 @@
           <a:blip r:embed="rId2" cstate="print">
             <a:extLst>
               <a:ext uri="{28A0092B-C50C-407E-A947-70E740481C1C}">
-                <a14:useLocalDpi xmlns:a14="http://schemas.microsoft.com/office/drawing/2010/main" xmlns="" val="0"/>
+                <a14:useLocalDpi xmlns="" xmlns:a14="http://schemas.microsoft.com/office/drawing/2010/main" val="0"/>
               </a:ext>
             </a:extLst>
           </a:blip>
@@ -6041,7 +6001,7 @@
           <a:noFill/>
           <a:extLst>
             <a:ext uri="{909E8E84-426E-40DD-AFC4-6F175D3DCCD1}">
-              <a14:hiddenFill xmlns:a14="http://schemas.microsoft.com/office/drawing/2010/main" xmlns="">
+              <a14:hiddenFill xmlns="" xmlns:a14="http://schemas.microsoft.com/office/drawing/2010/main">
                 <a:solidFill>
                   <a:srgbClr val="FFFFFF"/>
                 </a:solidFill>
@@ -6059,7 +6019,7 @@
           <p:nvPr>
             <p:extLst>
               <p:ext uri="{D42A27DB-BD31-4B8C-83A1-F6EECF244321}">
-                <p14:modId xmlns:p14="http://schemas.microsoft.com/office/powerpoint/2010/main" xmlns="" val="1298018004"/>
+                <p14:modId xmlns="" xmlns:p14="http://schemas.microsoft.com/office/powerpoint/2010/main" val="1298018004"/>
               </p:ext>
             </p:extLst>
           </p:nvPr>
@@ -6293,7 +6253,7 @@
     </p:spTree>
     <p:extLst>
       <p:ext uri="{BB962C8B-B14F-4D97-AF65-F5344CB8AC3E}">
-        <p14:creationId xmlns:p14="http://schemas.microsoft.com/office/powerpoint/2010/main" xmlns="" val="4069142264"/>
+        <p14:creationId xmlns="" xmlns:p14="http://schemas.microsoft.com/office/powerpoint/2010/main" val="4069142264"/>
       </p:ext>
     </p:extLst>
   </p:cSld>
@@ -6358,7 +6318,7 @@
         </p:nvGrpSpPr>
         <p:grpSpPr>
           <a:xfrm>
-            <a:off x="9406415" y="2483780"/>
+            <a:off x="9457215" y="794680"/>
             <a:ext cx="2328111" cy="4138863"/>
             <a:chOff x="5334556" y="2606842"/>
             <a:chExt cx="2328110" cy="4138863"/>
@@ -6376,7 +6336,7 @@
             <a:blip r:embed="rId2" cstate="print">
               <a:extLst>
                 <a:ext uri="{28A0092B-C50C-407E-A947-70E740481C1C}">
-                  <a14:useLocalDpi xmlns:a14="http://schemas.microsoft.com/office/drawing/2010/main" xmlns="" val="0"/>
+                  <a14:useLocalDpi xmlns="" xmlns:a14="http://schemas.microsoft.com/office/drawing/2010/main" val="0"/>
                 </a:ext>
               </a:extLst>
             </a:blip>
@@ -6396,7 +6356,7 @@
             <a:noFill/>
             <a:extLst>
               <a:ext uri="{909E8E84-426E-40DD-AFC4-6F175D3DCCD1}">
-                <a14:hiddenFill xmlns:a14="http://schemas.microsoft.com/office/drawing/2010/main" xmlns="">
+                <a14:hiddenFill xmlns="" xmlns:a14="http://schemas.microsoft.com/office/drawing/2010/main">
                   <a:solidFill>
                     <a:srgbClr val="FFFFFF"/>
                   </a:solidFill>
@@ -6464,7 +6424,7 @@
           <a:blip r:embed="rId3" cstate="print">
             <a:extLst>
               <a:ext uri="{28A0092B-C50C-407E-A947-70E740481C1C}">
-                <a14:useLocalDpi xmlns:a14="http://schemas.microsoft.com/office/drawing/2010/main" xmlns="" val="0"/>
+                <a14:useLocalDpi xmlns="" xmlns:a14="http://schemas.microsoft.com/office/drawing/2010/main" val="0"/>
               </a:ext>
             </a:extLst>
           </a:blip>
@@ -6475,7 +6435,7 @@
         </p:blipFill>
         <p:spPr bwMode="auto">
           <a:xfrm>
-            <a:off x="6022977" y="5343018"/>
+            <a:off x="9439277" y="5177918"/>
             <a:ext cx="2397123" cy="1514982"/>
           </a:xfrm>
           <a:prstGeom prst="rect">
@@ -6484,7 +6444,7 @@
           <a:noFill/>
           <a:extLst>
             <a:ext uri="{909E8E84-426E-40DD-AFC4-6F175D3DCCD1}">
-              <a14:hiddenFill xmlns:a14="http://schemas.microsoft.com/office/drawing/2010/main" xmlns="">
+              <a14:hiddenFill xmlns="" xmlns:a14="http://schemas.microsoft.com/office/drawing/2010/main">
                 <a:solidFill>
                   <a:srgbClr val="FFFFFF"/>
                 </a:solidFill>
@@ -6495,21 +6455,21 @@
       </p:pic>
       <p:graphicFrame>
         <p:nvGraphicFramePr>
-          <p:cNvPr id="8" name="Table 7"/>
+          <p:cNvPr id="9" name="Table 8"/>
           <p:cNvGraphicFramePr>
             <a:graphicFrameLocks noGrp="1"/>
           </p:cNvGraphicFramePr>
           <p:nvPr>
             <p:extLst>
               <p:ext uri="{D42A27DB-BD31-4B8C-83A1-F6EECF244321}">
-                <p14:modId xmlns:p14="http://schemas.microsoft.com/office/powerpoint/2010/main" xmlns="" val="2294983087"/>
+                <p14:modId xmlns:p14="http://schemas.microsoft.com/office/powerpoint/2010/main" xmlns="" val="476651962"/>
               </p:ext>
             </p:extLst>
           </p:nvPr>
         </p:nvGraphicFramePr>
         <p:xfrm>
-          <a:off x="876300" y="1879600"/>
-          <a:ext cx="7721600" cy="2895600"/>
+          <a:off x="499365" y="1790701"/>
+          <a:ext cx="7590535" cy="2535937"/>
         </p:xfrm>
         <a:graphic>
           <a:graphicData uri="http://schemas.openxmlformats.org/drawingml/2006/table">
@@ -6518,10 +6478,10 @@
                 <a:tableStyleId>{5C22544A-7EE6-4342-B048-85BDC9FD1C3A}</a:tableStyleId>
               </a:tblPr>
               <a:tblGrid>
-                <a:gridCol w="2052577"/>
-                <a:gridCol w="5669023"/>
+                <a:gridCol w="1835919"/>
+                <a:gridCol w="5754616"/>
               </a:tblGrid>
-              <a:tr h="900113">
+              <a:tr h="729019">
                 <a:tc gridSpan="2">
                   <a:txBody>
                     <a:bodyPr/>
@@ -6534,7 +6494,7 @@
                       <a:endParaRPr lang="en-US" sz="2400" dirty="0"/>
                     </a:p>
                   </a:txBody>
-                  <a:tcPr marL="121920" marR="121920"/>
+                  <a:tcPr/>
                 </a:tc>
                 <a:tc hMerge="1">
                   <a:txBody>
@@ -6547,33 +6507,41 @@
                   <a:tcPr/>
                 </a:tc>
               </a:tr>
-              <a:tr h="1350169">
+              <a:tr h="1072897">
                 <a:tc>
                   <a:txBody>
                     <a:bodyPr/>
                     <a:lstStyle/>
                     <a:p>
                       <a:r>
-                        <a:rPr lang="en-US" dirty="0" smtClean="0"/>
+                        <a:rPr lang="en-US" smtClean="0"/>
                         <a:t>Description</a:t>
                       </a:r>
                       <a:endParaRPr lang="en-US" dirty="0"/>
                     </a:p>
                   </a:txBody>
-                  <a:tcPr marL="121920" marR="121920"/>
+                  <a:tcPr/>
                 </a:tc>
                 <a:tc>
                   <a:txBody>
                     <a:bodyPr/>
                     <a:lstStyle/>
                     <a:p>
+                      <a:r>
+                        <a:rPr lang="en-US" dirty="0" smtClean="0"/>
+                        <a:t>A</a:t>
+                      </a:r>
+                      <a:r>
+                        <a:rPr lang="en-US" baseline="0" dirty="0" smtClean="0"/>
+                        <a:t> text field near the top of the home page should allow the user to enter categories of food and ingredients to search the recipes in the database.</a:t>
+                      </a:r>
                       <a:endParaRPr lang="en-US" dirty="0"/>
                     </a:p>
                   </a:txBody>
-                  <a:tcPr marL="121920" marR="121920"/>
+                  <a:tcPr/>
                 </a:tc>
               </a:tr>
-              <a:tr h="645318">
+              <a:tr h="567015">
                 <a:tc>
                   <a:txBody>
                     <a:bodyPr/>
@@ -6586,7 +6554,7 @@
                       <a:endParaRPr lang="en-US" dirty="0"/>
                     </a:p>
                   </a:txBody>
-                  <a:tcPr marL="121920" marR="121920"/>
+                  <a:tcPr/>
                 </a:tc>
                 <a:tc>
                   <a:txBody>
@@ -6604,7 +6572,7 @@
                       <a:endParaRPr lang="en-US" dirty="0"/>
                     </a:p>
                   </a:txBody>
-                  <a:tcPr marL="121920" marR="121920"/>
+                  <a:tcPr/>
                 </a:tc>
               </a:tr>
             </a:tbl>
@@ -6614,7 +6582,7 @@
     </p:spTree>
     <p:extLst>
       <p:ext uri="{BB962C8B-B14F-4D97-AF65-F5344CB8AC3E}">
-        <p14:creationId xmlns:p14="http://schemas.microsoft.com/office/powerpoint/2010/main" xmlns="" val="1661329252"/>
+        <p14:creationId xmlns="" xmlns:p14="http://schemas.microsoft.com/office/powerpoint/2010/main" val="1661329252"/>
       </p:ext>
     </p:extLst>
   </p:cSld>
